--- a/docs/BOLD43_BOLD49_preliminary table.pptx
+++ b/docs/BOLD43_BOLD49_preliminary table.pptx
@@ -15419,7 +15419,7 @@
           <a:graphicData uri="http://schemas.openxmlformats.org/presentationml/2006/ole">
             <mc:AlternateContent xmlns:mc="http://schemas.openxmlformats.org/markup-compatibility/2006">
               <mc:Choice xmlns:v="urn:schemas-microsoft-com:vml" Requires="v">
-                <p:oleObj spid="_x0000_s2083" name="CS ChemDraw Drawing" r:id="rId5" imgW="1479458" imgH="2482047" progId="ChemDraw.Document.6.0">
+                <p:oleObj spid="_x0000_s2086" name="CS ChemDraw Drawing" r:id="rId5" imgW="1479458" imgH="2482047" progId="ChemDraw.Document.6.0">
                   <p:embed/>
                 </p:oleObj>
               </mc:Choice>
@@ -15476,7 +15476,7 @@
           <a:graphicData uri="http://schemas.openxmlformats.org/presentationml/2006/ole">
             <mc:AlternateContent xmlns:mc="http://schemas.openxmlformats.org/markup-compatibility/2006">
               <mc:Choice xmlns:v="urn:schemas-microsoft-com:vml" Requires="v">
-                <p:oleObj spid="_x0000_s2084" name="CS ChemDraw Drawing" r:id="rId7" imgW="1901536" imgH="2480607" progId="ChemDraw.Document.6.0">
+                <p:oleObj spid="_x0000_s2087" name="CS ChemDraw Drawing" r:id="rId7" imgW="1901536" imgH="2480607" progId="ChemDraw.Document.6.0">
                   <p:embed/>
                 </p:oleObj>
               </mc:Choice>
@@ -15533,7 +15533,7 @@
           <a:graphicData uri="http://schemas.openxmlformats.org/presentationml/2006/ole">
             <mc:AlternateContent xmlns:mc="http://schemas.openxmlformats.org/markup-compatibility/2006">
               <mc:Choice xmlns:v="urn:schemas-microsoft-com:vml" Requires="v">
-                <p:oleObj spid="_x0000_s2085" name="CS ChemDraw Drawing" r:id="rId9" imgW="1861843" imgH="1441414" progId="ChemDraw.Document.6.0">
+                <p:oleObj spid="_x0000_s2088" name="CS ChemDraw Drawing" r:id="rId9" imgW="1861843" imgH="1441414" progId="ChemDraw.Document.6.0">
                   <p:embed/>
                 </p:oleObj>
               </mc:Choice>
